--- a/Aulas/Java + MySQL - Aula 19.pptx
+++ b/Aulas/Java + MySQL - Aula 19.pptx
@@ -11,6 +11,7 @@
     <p:sldId id="259" r:id="rId5"/>
     <p:sldId id="260" r:id="rId6"/>
     <p:sldId id="261" r:id="rId7"/>
+    <p:sldId id="262" r:id="rId8"/>
   </p:sldIdLst>
   <p:sldSz cx="12192000" cy="6858000"/>
   <p:notesSz cx="6858000" cy="9144000"/>
@@ -271,7 +272,7 @@
           <a:p>
             <a:fld id="{11EAACC7-3B3F-47D1-959A-EF58926E955E}" type="datetimeFigureOut">
               <a:rPr lang="en-US" smtClean="0"/>
-              <a:t>11/29/2021</a:t>
+              <a:t>11/30/2021</a:t>
             </a:fld>
             <a:endParaRPr lang="en-US"/>
           </a:p>
@@ -469,7 +470,7 @@
           <a:p>
             <a:fld id="{11EAACC7-3B3F-47D1-959A-EF58926E955E}" type="datetimeFigureOut">
               <a:rPr lang="en-US" smtClean="0"/>
-              <a:t>11/29/2021</a:t>
+              <a:t>11/30/2021</a:t>
             </a:fld>
             <a:endParaRPr lang="en-US"/>
           </a:p>
@@ -677,7 +678,7 @@
           <a:p>
             <a:fld id="{11EAACC7-3B3F-47D1-959A-EF58926E955E}" type="datetimeFigureOut">
               <a:rPr lang="en-US" smtClean="0"/>
-              <a:t>11/29/2021</a:t>
+              <a:t>11/30/2021</a:t>
             </a:fld>
             <a:endParaRPr lang="en-US"/>
           </a:p>
@@ -906,7 +907,7 @@
           <a:p>
             <a:fld id="{11EAACC7-3B3F-47D1-959A-EF58926E955E}" type="datetimeFigureOut">
               <a:rPr lang="en-US" smtClean="0"/>
-              <a:t>11/29/2021</a:t>
+              <a:t>11/30/2021</a:t>
             </a:fld>
             <a:endParaRPr lang="en-US" dirty="0"/>
           </a:p>
@@ -1181,7 +1182,7 @@
           <a:p>
             <a:fld id="{11EAACC7-3B3F-47D1-959A-EF58926E955E}" type="datetimeFigureOut">
               <a:rPr lang="en-US" smtClean="0"/>
-              <a:t>11/29/2021</a:t>
+              <a:t>11/30/2021</a:t>
             </a:fld>
             <a:endParaRPr lang="en-US"/>
           </a:p>
@@ -1447,7 +1448,7 @@
           <a:p>
             <a:fld id="{11EAACC7-3B3F-47D1-959A-EF58926E955E}" type="datetimeFigureOut">
               <a:rPr lang="en-US" smtClean="0"/>
-              <a:t>11/29/2021</a:t>
+              <a:t>11/30/2021</a:t>
             </a:fld>
             <a:endParaRPr lang="en-US"/>
           </a:p>
@@ -1864,7 +1865,7 @@
           <a:p>
             <a:fld id="{11EAACC7-3B3F-47D1-959A-EF58926E955E}" type="datetimeFigureOut">
               <a:rPr lang="en-US" smtClean="0"/>
-              <a:t>11/29/2021</a:t>
+              <a:t>11/30/2021</a:t>
             </a:fld>
             <a:endParaRPr lang="en-US"/>
           </a:p>
@@ -2005,7 +2006,7 @@
           <a:p>
             <a:fld id="{11EAACC7-3B3F-47D1-959A-EF58926E955E}" type="datetimeFigureOut">
               <a:rPr lang="en-US" smtClean="0"/>
-              <a:t>11/29/2021</a:t>
+              <a:t>11/30/2021</a:t>
             </a:fld>
             <a:endParaRPr lang="en-US"/>
           </a:p>
@@ -2118,7 +2119,7 @@
           <a:p>
             <a:fld id="{11EAACC7-3B3F-47D1-959A-EF58926E955E}" type="datetimeFigureOut">
               <a:rPr lang="en-US" smtClean="0"/>
-              <a:t>11/29/2021</a:t>
+              <a:t>11/30/2021</a:t>
             </a:fld>
             <a:endParaRPr lang="en-US"/>
           </a:p>
@@ -2429,7 +2430,7 @@
           <a:p>
             <a:fld id="{11EAACC7-3B3F-47D1-959A-EF58926E955E}" type="datetimeFigureOut">
               <a:rPr lang="en-US" smtClean="0"/>
-              <a:t>11/29/2021</a:t>
+              <a:t>11/30/2021</a:t>
             </a:fld>
             <a:endParaRPr lang="en-US"/>
           </a:p>
@@ -2720,7 +2721,7 @@
           <a:p>
             <a:fld id="{11EAACC7-3B3F-47D1-959A-EF58926E955E}" type="datetimeFigureOut">
               <a:rPr lang="en-US" smtClean="0"/>
-              <a:t>11/29/2021</a:t>
+              <a:t>11/30/2021</a:t>
             </a:fld>
             <a:endParaRPr lang="en-US"/>
           </a:p>
@@ -3277,7 +3278,7 @@
           <a:p>
             <a:fld id="{11EAACC7-3B3F-47D1-959A-EF58926E955E}" type="datetimeFigureOut">
               <a:rPr lang="en-US" smtClean="0"/>
-              <a:t>11/29/2021</a:t>
+              <a:t>11/30/2021</a:t>
             </a:fld>
             <a:endParaRPr lang="en-US"/>
           </a:p>
@@ -3717,7 +3718,7 @@
                 <a16:creationId xmlns:a16="http://schemas.microsoft.com/office/drawing/2014/main" id="{82950D9A-4705-4314-961A-4F88B2CE412D}"/>
               </a:ext>
               <a:ext uri="{C183D7F6-B498-43B3-948B-1728B52AA6E4}">
-                <adec:decorative xmlns="" xmlns:adec="http://schemas.microsoft.com/office/drawing/2017/decorative" val="1"/>
+                <adec:decorative xmlns:adec="http://schemas.microsoft.com/office/drawing/2017/decorative" xmlns="" val="1"/>
               </a:ext>
             </a:extLst>
           </p:cNvPr>
@@ -3927,7 +3928,7 @@
                 <a16:creationId xmlns:a16="http://schemas.microsoft.com/office/drawing/2014/main" id="{13AC671C-E66F-43C5-A66A-C477339DD232}"/>
               </a:ext>
               <a:ext uri="{C183D7F6-B498-43B3-948B-1728B52AA6E4}">
-                <adec:decorative xmlns="" xmlns:adec="http://schemas.microsoft.com/office/drawing/2017/decorative" val="1"/>
+                <adec:decorative xmlns:adec="http://schemas.microsoft.com/office/drawing/2017/decorative" xmlns="" val="1"/>
               </a:ext>
             </a:extLst>
           </p:cNvPr>
@@ -3981,7 +3982,7 @@
                 <a16:creationId xmlns:a16="http://schemas.microsoft.com/office/drawing/2014/main" id="{EEE10AC2-20ED-4628-9A8E-14F8437B55CB}"/>
               </a:ext>
               <a:ext uri="{C183D7F6-B498-43B3-948B-1728B52AA6E4}">
-                <adec:decorative xmlns="" xmlns:adec="http://schemas.microsoft.com/office/drawing/2017/decorative" val="1"/>
+                <adec:decorative xmlns:adec="http://schemas.microsoft.com/office/drawing/2017/decorative" xmlns="" val="1"/>
               </a:ext>
             </a:extLst>
           </p:cNvPr>
@@ -4284,6 +4285,13 @@
   <p:clrMapOvr>
     <a:masterClrMapping/>
   </p:clrMapOvr>
+  <p:timing>
+    <p:tnLst>
+      <p:par>
+        <p:cTn id="1" dur="indefinite" restart="never" nodeType="tmRoot"/>
+      </p:par>
+    </p:tnLst>
+  </p:timing>
 </p:sld>
 </file>
 
@@ -4737,6 +4745,13 @@
   <p:clrMapOvr>
     <a:masterClrMapping/>
   </p:clrMapOvr>
+  <p:timing>
+    <p:tnLst>
+      <p:par>
+        <p:cTn id="1" dur="indefinite" restart="never" nodeType="tmRoot"/>
+      </p:par>
+    </p:tnLst>
+  </p:timing>
 </p:sld>
 </file>
 
@@ -4829,6 +4844,13 @@
   <p:clrMapOvr>
     <a:masterClrMapping/>
   </p:clrMapOvr>
+  <p:timing>
+    <p:tnLst>
+      <p:par>
+        <p:cTn id="1" dur="indefinite" restart="never" nodeType="tmRoot"/>
+      </p:par>
+    </p:tnLst>
+  </p:timing>
 </p:sld>
 </file>
 
@@ -4921,6 +4943,13 @@
   <p:clrMapOvr>
     <a:masterClrMapping/>
   </p:clrMapOvr>
+  <p:timing>
+    <p:tnLst>
+      <p:par>
+        <p:cTn id="1" dur="indefinite" restart="never" nodeType="tmRoot"/>
+      </p:par>
+    </p:tnLst>
+  </p:timing>
 </p:sld>
 </file>
 
@@ -5037,6 +5066,110 @@
   <p:clrMapOvr>
     <a:masterClrMapping/>
   </p:clrMapOvr>
+  <p:timing>
+    <p:tnLst>
+      <p:par>
+        <p:cTn id="1" dur="indefinite" restart="never" nodeType="tmRoot"/>
+      </p:par>
+    </p:tnLst>
+  </p:timing>
+</p:sld>
+</file>
+
+<file path=ppt/slides/slide7.xml><?xml version="1.0" encoding="utf-8"?>
+<p:sld xmlns:a="http://schemas.openxmlformats.org/drawingml/2006/main" xmlns:r="http://schemas.openxmlformats.org/officeDocument/2006/relationships" xmlns:p="http://schemas.openxmlformats.org/presentationml/2006/main">
+  <p:cSld>
+    <p:spTree>
+      <p:nvGrpSpPr>
+        <p:cNvPr id="1" name=""/>
+        <p:cNvGrpSpPr/>
+        <p:nvPr/>
+      </p:nvGrpSpPr>
+      <p:grpSpPr>
+        <a:xfrm>
+          <a:off x="0" y="0"/>
+          <a:ext cx="0" cy="0"/>
+          <a:chOff x="0" y="0"/>
+          <a:chExt cx="0" cy="0"/>
+        </a:xfrm>
+      </p:grpSpPr>
+      <p:sp>
+        <p:nvSpPr>
+          <p:cNvPr id="2" name="Título 1"/>
+          <p:cNvSpPr>
+            <a:spLocks noGrp="1"/>
+          </p:cNvSpPr>
+          <p:nvPr>
+            <p:ph type="title"/>
+          </p:nvPr>
+        </p:nvSpPr>
+        <p:spPr>
+          <a:xfrm>
+            <a:off x="1143000" y="4721943"/>
+            <a:ext cx="9906000" cy="1382156"/>
+          </a:xfrm>
+        </p:spPr>
+        <p:txBody>
+          <a:bodyPr>
+            <a:normAutofit fontScale="90000"/>
+          </a:bodyPr>
+          <a:lstStyle/>
+          <a:p>
+            <a:pPr algn="ctr"/>
+            <a:r>
+              <a:rPr lang="pt-BR" dirty="0" smtClean="0"/>
+              <a:t>POR FAVOR ATUALIZEM O README COM TELAS E DESCRIÇÃO DO PROJETO DE VOCÊS!!!</a:t>
+            </a:r>
+            <a:endParaRPr lang="pt-BR" dirty="0"/>
+          </a:p>
+        </p:txBody>
+      </p:sp>
+      <p:pic>
+        <p:nvPicPr>
+          <p:cNvPr id="4" name="Espaço Reservado para Conteúdo 3"/>
+          <p:cNvPicPr>
+            <a:picLocks noGrp="1" noChangeAspect="1"/>
+          </p:cNvPicPr>
+          <p:nvPr>
+            <p:ph idx="1"/>
+          </p:nvPr>
+        </p:nvPicPr>
+        <p:blipFill>
+          <a:blip r:embed="rId2">
+            <a:extLst>
+              <a:ext uri="{28A0092B-C50C-407E-A947-70E740481C1C}">
+                <a14:useLocalDpi xmlns:a14="http://schemas.microsoft.com/office/drawing/2010/main" val="0"/>
+              </a:ext>
+            </a:extLst>
+          </a:blip>
+          <a:stretch>
+            <a:fillRect/>
+          </a:stretch>
+        </p:blipFill>
+        <p:spPr>
+          <a:xfrm>
+            <a:off x="3930138" y="147233"/>
+            <a:ext cx="4331724" cy="4331724"/>
+          </a:xfrm>
+        </p:spPr>
+      </p:pic>
+    </p:spTree>
+    <p:extLst>
+      <p:ext uri="{BB962C8B-B14F-4D97-AF65-F5344CB8AC3E}">
+        <p14:creationId xmlns:p14="http://schemas.microsoft.com/office/powerpoint/2010/main" val="2755207362"/>
+      </p:ext>
+    </p:extLst>
+  </p:cSld>
+  <p:clrMapOvr>
+    <a:masterClrMapping/>
+  </p:clrMapOvr>
+  <p:timing>
+    <p:tnLst>
+      <p:par>
+        <p:cTn id="1" dur="indefinite" restart="never" nodeType="tmRoot"/>
+      </p:par>
+    </p:tnLst>
+  </p:timing>
 </p:sld>
 </file>
 
